--- a/Day 1/1b Simple modeling/ADMB_approach_syntax.pptx
+++ b/Day 1/1b Simple modeling/ADMB_approach_syntax.pptx
@@ -18,11 +18,12 @@
     <p:sldId id="264" r:id="rId12"/>
     <p:sldId id="265" r:id="rId13"/>
     <p:sldId id="266" r:id="rId14"/>
-    <p:sldId id="267" r:id="rId15"/>
-    <p:sldId id="268" r:id="rId16"/>
-    <p:sldId id="272" r:id="rId17"/>
-    <p:sldId id="273" r:id="rId18"/>
-    <p:sldId id="274" r:id="rId19"/>
+    <p:sldId id="275" r:id="rId15"/>
+    <p:sldId id="267" r:id="rId16"/>
+    <p:sldId id="268" r:id="rId17"/>
+    <p:sldId id="272" r:id="rId18"/>
+    <p:sldId id="273" r:id="rId19"/>
+    <p:sldId id="274" r:id="rId20"/>
   </p:sldIdLst>
   <p:sldSz cx="12192000" cy="6858000"/>
   <p:notesSz cx="6858000" cy="9144000"/>
@@ -280,7 +281,7 @@
           <a:p>
             <a:fld id="{6568DBDC-361A-432B-AEF1-53427BEFAB47}" type="datetimeFigureOut">
               <a:rPr lang="en-US" smtClean="0"/>
-              <a:t>3/1/2018</a:t>
+              <a:t>3/2/2018</a:t>
             </a:fld>
             <a:endParaRPr lang="en-US"/>
           </a:p>
@@ -478,7 +479,7 @@
           <a:p>
             <a:fld id="{6568DBDC-361A-432B-AEF1-53427BEFAB47}" type="datetimeFigureOut">
               <a:rPr lang="en-US" smtClean="0"/>
-              <a:t>3/1/2018</a:t>
+              <a:t>3/2/2018</a:t>
             </a:fld>
             <a:endParaRPr lang="en-US"/>
           </a:p>
@@ -686,7 +687,7 @@
           <a:p>
             <a:fld id="{6568DBDC-361A-432B-AEF1-53427BEFAB47}" type="datetimeFigureOut">
               <a:rPr lang="en-US" smtClean="0"/>
-              <a:t>3/1/2018</a:t>
+              <a:t>3/2/2018</a:t>
             </a:fld>
             <a:endParaRPr lang="en-US"/>
           </a:p>
@@ -923,7 +924,7 @@
             <a:fld id="{6568DBDC-361A-432B-AEF1-53427BEFAB47}" type="datetimeFigureOut">
               <a:rPr lang="en-US" smtClean="0"/>
               <a:pPr/>
-              <a:t>3/1/2018</a:t>
+              <a:t>3/2/2018</a:t>
             </a:fld>
             <a:endParaRPr lang="en-US"/>
           </a:p>
@@ -1211,7 +1212,7 @@
           <a:p>
             <a:fld id="{6568DBDC-361A-432B-AEF1-53427BEFAB47}" type="datetimeFigureOut">
               <a:rPr lang="en-US" smtClean="0"/>
-              <a:t>3/1/2018</a:t>
+              <a:t>3/2/2018</a:t>
             </a:fld>
             <a:endParaRPr lang="en-US"/>
           </a:p>
@@ -1476,7 +1477,7 @@
           <a:p>
             <a:fld id="{6568DBDC-361A-432B-AEF1-53427BEFAB47}" type="datetimeFigureOut">
               <a:rPr lang="en-US" smtClean="0"/>
-              <a:t>3/1/2018</a:t>
+              <a:t>3/2/2018</a:t>
             </a:fld>
             <a:endParaRPr lang="en-US"/>
           </a:p>
@@ -1888,7 +1889,7 @@
           <a:p>
             <a:fld id="{6568DBDC-361A-432B-AEF1-53427BEFAB47}" type="datetimeFigureOut">
               <a:rPr lang="en-US" smtClean="0"/>
-              <a:t>3/1/2018</a:t>
+              <a:t>3/2/2018</a:t>
             </a:fld>
             <a:endParaRPr lang="en-US"/>
           </a:p>
@@ -2029,7 +2030,7 @@
           <a:p>
             <a:fld id="{6568DBDC-361A-432B-AEF1-53427BEFAB47}" type="datetimeFigureOut">
               <a:rPr lang="en-US" smtClean="0"/>
-              <a:t>3/1/2018</a:t>
+              <a:t>3/2/2018</a:t>
             </a:fld>
             <a:endParaRPr lang="en-US"/>
           </a:p>
@@ -2142,7 +2143,7 @@
           <a:p>
             <a:fld id="{6568DBDC-361A-432B-AEF1-53427BEFAB47}" type="datetimeFigureOut">
               <a:rPr lang="en-US" smtClean="0"/>
-              <a:t>3/1/2018</a:t>
+              <a:t>3/2/2018</a:t>
             </a:fld>
             <a:endParaRPr lang="en-US"/>
           </a:p>
@@ -2453,7 +2454,7 @@
           <a:p>
             <a:fld id="{6568DBDC-361A-432B-AEF1-53427BEFAB47}" type="datetimeFigureOut">
               <a:rPr lang="en-US" smtClean="0"/>
-              <a:t>3/1/2018</a:t>
+              <a:t>3/2/2018</a:t>
             </a:fld>
             <a:endParaRPr lang="en-US"/>
           </a:p>
@@ -2741,7 +2742,7 @@
           <a:p>
             <a:fld id="{6568DBDC-361A-432B-AEF1-53427BEFAB47}" type="datetimeFigureOut">
               <a:rPr lang="en-US" smtClean="0"/>
-              <a:t>3/1/2018</a:t>
+              <a:t>3/2/2018</a:t>
             </a:fld>
             <a:endParaRPr lang="en-US"/>
           </a:p>
@@ -2982,7 +2983,7 @@
           <a:p>
             <a:fld id="{6568DBDC-361A-432B-AEF1-53427BEFAB47}" type="datetimeFigureOut">
               <a:rPr lang="en-US" smtClean="0"/>
-              <a:t>3/1/2018</a:t>
+              <a:t>3/2/2018</a:t>
             </a:fld>
             <a:endParaRPr lang="en-US"/>
           </a:p>
@@ -3503,14 +3504,54 @@
             <p:ph idx="1"/>
           </p:nvPr>
         </p:nvSpPr>
-        <p:spPr/>
-        <p:txBody>
-          <a:bodyPr/>
+        <p:spPr>
+          <a:xfrm>
+            <a:off x="838200" y="1825624"/>
+            <a:ext cx="10515600" cy="5217014"/>
+          </a:xfrm>
+        </p:spPr>
+        <p:txBody>
+          <a:bodyPr>
+            <a:normAutofit lnSpcReduction="10000"/>
+          </a:bodyPr>
           <a:lstStyle/>
           <a:p>
             <a:r>
               <a:rPr lang="en-US" dirty="0"/>
               <a:t>LOCAL_CALCS section can be used for data-related calculations or transformations</a:t>
+            </a:r>
+          </a:p>
+          <a:p>
+            <a:endParaRPr lang="en-US" dirty="0"/>
+          </a:p>
+          <a:p>
+            <a:endParaRPr lang="en-US" dirty="0"/>
+          </a:p>
+          <a:p>
+            <a:endParaRPr lang="en-US" dirty="0"/>
+          </a:p>
+          <a:p>
+            <a:endParaRPr lang="en-US" dirty="0"/>
+          </a:p>
+          <a:p>
+            <a:endParaRPr lang="en-US" dirty="0"/>
+          </a:p>
+          <a:p>
+            <a:endParaRPr lang="en-US" dirty="0"/>
+          </a:p>
+          <a:p>
+            <a:endParaRPr lang="en-US" dirty="0"/>
+          </a:p>
+          <a:p>
+            <a:r>
+              <a:rPr lang="en-US" dirty="0"/>
+              <a:t>Alternative to LOCAL_CALCS: !! </a:t>
+            </a:r>
+          </a:p>
+          <a:p>
+            <a:r>
+              <a:rPr lang="en-US" dirty="0"/>
+              <a:t>Will see in future examples</a:t>
             </a:r>
           </a:p>
         </p:txBody>
@@ -3537,7 +3578,7 @@
         </p:blipFill>
         <p:spPr>
           <a:xfrm>
-            <a:off x="590550" y="2825084"/>
+            <a:off x="561975" y="2675614"/>
             <a:ext cx="5067300" cy="3038475"/>
           </a:xfrm>
           <a:prstGeom prst="rect">
@@ -3567,7 +3608,7 @@
         </p:blipFill>
         <p:spPr>
           <a:xfrm>
-            <a:off x="6124575" y="2825084"/>
+            <a:off x="6096000" y="2675614"/>
             <a:ext cx="5476875" cy="2495550"/>
           </a:xfrm>
           <a:prstGeom prst="rect">
@@ -4092,6 +4133,164 @@
           <p:cNvPr id="2" name="Title 1">
             <a:extLst>
               <a:ext uri="{FF2B5EF4-FFF2-40B4-BE49-F238E27FC236}">
+                <a16:creationId xmlns:a16="http://schemas.microsoft.com/office/drawing/2014/main" id="{FBA04A4D-04A4-40D9-981C-45117A8028F6}"/>
+              </a:ext>
+            </a:extLst>
+          </p:cNvPr>
+          <p:cNvSpPr>
+            <a:spLocks noGrp="1"/>
+          </p:cNvSpPr>
+          <p:nvPr>
+            <p:ph type="title"/>
+          </p:nvPr>
+        </p:nvSpPr>
+        <p:spPr/>
+        <p:txBody>
+          <a:bodyPr/>
+          <a:lstStyle/>
+          <a:p>
+            <a:r>
+              <a:rPr lang="en-US" dirty="0"/>
+              <a:t>REPORT_SECTION</a:t>
+            </a:r>
+          </a:p>
+        </p:txBody>
+      </p:sp>
+      <p:sp>
+        <p:nvSpPr>
+          <p:cNvPr id="3" name="Content Placeholder 2">
+            <a:extLst>
+              <a:ext uri="{FF2B5EF4-FFF2-40B4-BE49-F238E27FC236}">
+                <a16:creationId xmlns:a16="http://schemas.microsoft.com/office/drawing/2014/main" id="{EE9D633F-4006-449A-8E89-A2750350CB91}"/>
+              </a:ext>
+            </a:extLst>
+          </p:cNvPr>
+          <p:cNvSpPr>
+            <a:spLocks noGrp="1"/>
+          </p:cNvSpPr>
+          <p:nvPr>
+            <p:ph idx="1"/>
+          </p:nvPr>
+        </p:nvSpPr>
+        <p:spPr/>
+        <p:txBody>
+          <a:bodyPr/>
+          <a:lstStyle/>
+          <a:p>
+            <a:r>
+              <a:rPr lang="en-US" dirty="0"/>
+              <a:t>Can also output to an alternative file:</a:t>
+            </a:r>
+          </a:p>
+          <a:p>
+            <a:pPr marL="0" indent="0">
+              <a:buNone/>
+            </a:pPr>
+            <a:endParaRPr lang="en-US" dirty="0"/>
+          </a:p>
+          <a:p>
+            <a:pPr marL="0" indent="0">
+              <a:buNone/>
+            </a:pPr>
+            <a:endParaRPr lang="en-US" dirty="0"/>
+          </a:p>
+        </p:txBody>
+      </p:sp>
+      <p:pic>
+        <p:nvPicPr>
+          <p:cNvPr id="7" name="Picture 6">
+            <a:extLst>
+              <a:ext uri="{FF2B5EF4-FFF2-40B4-BE49-F238E27FC236}">
+                <a16:creationId xmlns:a16="http://schemas.microsoft.com/office/drawing/2014/main" id="{C761C2DD-5FB0-42FE-AF56-C310E7BF6A41}"/>
+              </a:ext>
+            </a:extLst>
+          </p:cNvPr>
+          <p:cNvPicPr>
+            <a:picLocks noChangeAspect="1"/>
+          </p:cNvPicPr>
+          <p:nvPr/>
+        </p:nvPicPr>
+        <p:blipFill>
+          <a:blip r:embed="rId2"/>
+          <a:stretch>
+            <a:fillRect/>
+          </a:stretch>
+        </p:blipFill>
+        <p:spPr>
+          <a:xfrm>
+            <a:off x="1595438" y="3039703"/>
+            <a:ext cx="2400300" cy="857250"/>
+          </a:xfrm>
+          <a:prstGeom prst="rect">
+            <a:avLst/>
+          </a:prstGeom>
+        </p:spPr>
+      </p:pic>
+      <p:pic>
+        <p:nvPicPr>
+          <p:cNvPr id="8" name="Picture 7">
+            <a:extLst>
+              <a:ext uri="{FF2B5EF4-FFF2-40B4-BE49-F238E27FC236}">
+                <a16:creationId xmlns:a16="http://schemas.microsoft.com/office/drawing/2014/main" id="{EE9E1BC4-C95C-48AA-86DF-E6A4F619A486}"/>
+              </a:ext>
+            </a:extLst>
+          </p:cNvPr>
+          <p:cNvPicPr>
+            <a:picLocks noChangeAspect="1"/>
+          </p:cNvPicPr>
+          <p:nvPr/>
+        </p:nvPicPr>
+        <p:blipFill>
+          <a:blip r:embed="rId3"/>
+          <a:stretch>
+            <a:fillRect/>
+          </a:stretch>
+        </p:blipFill>
+        <p:spPr>
+          <a:xfrm>
+            <a:off x="4752975" y="3039703"/>
+            <a:ext cx="2686050" cy="1304925"/>
+          </a:xfrm>
+          <a:prstGeom prst="rect">
+            <a:avLst/>
+          </a:prstGeom>
+        </p:spPr>
+      </p:pic>
+    </p:spTree>
+    <p:extLst>
+      <p:ext uri="{BB962C8B-B14F-4D97-AF65-F5344CB8AC3E}">
+        <p14:creationId xmlns:p14="http://schemas.microsoft.com/office/powerpoint/2010/main" val="3820251485"/>
+      </p:ext>
+    </p:extLst>
+  </p:cSld>
+  <p:clrMapOvr>
+    <a:masterClrMapping/>
+  </p:clrMapOvr>
+</p:sld>
+</file>
+
+<file path=ppt/slides/slide15.xml><?xml version="1.0" encoding="utf-8"?>
+<p:sld xmlns:a="http://schemas.openxmlformats.org/drawingml/2006/main" xmlns:r="http://schemas.openxmlformats.org/officeDocument/2006/relationships" xmlns:p="http://schemas.openxmlformats.org/presentationml/2006/main">
+  <p:cSld>
+    <p:spTree>
+      <p:nvGrpSpPr>
+        <p:cNvPr id="1" name=""/>
+        <p:cNvGrpSpPr/>
+        <p:nvPr/>
+      </p:nvGrpSpPr>
+      <p:grpSpPr>
+        <a:xfrm>
+          <a:off x="0" y="0"/>
+          <a:ext cx="0" cy="0"/>
+          <a:chOff x="0" y="0"/>
+          <a:chExt cx="0" cy="0"/>
+        </a:xfrm>
+      </p:grpSpPr>
+      <p:sp>
+        <p:nvSpPr>
+          <p:cNvPr id="2" name="Title 1">
+            <a:extLst>
+              <a:ext uri="{FF2B5EF4-FFF2-40B4-BE49-F238E27FC236}">
                 <a16:creationId xmlns:a16="http://schemas.microsoft.com/office/drawing/2014/main" id="{0C3AC39E-361C-41C8-90B0-D0D77248B7AE}"/>
               </a:ext>
             </a:extLst>
@@ -4196,7 +4395,7 @@
 </p:sld>
 </file>
 
-<file path=ppt/slides/slide15.xml><?xml version="1.0" encoding="utf-8"?>
+<file path=ppt/slides/slide16.xml><?xml version="1.0" encoding="utf-8"?>
 <p:sld xmlns:a="http://schemas.openxmlformats.org/drawingml/2006/main" xmlns:r="http://schemas.openxmlformats.org/officeDocument/2006/relationships" xmlns:p="http://schemas.openxmlformats.org/presentationml/2006/main">
   <p:cSld>
     <p:spTree>
@@ -4342,123 +4541,6 @@
 </p:sld>
 </file>
 
-<file path=ppt/slides/slide16.xml><?xml version="1.0" encoding="utf-8"?>
-<p:sld xmlns:a="http://schemas.openxmlformats.org/drawingml/2006/main" xmlns:r="http://schemas.openxmlformats.org/officeDocument/2006/relationships" xmlns:p="http://schemas.openxmlformats.org/presentationml/2006/main">
-  <p:cSld>
-    <p:spTree>
-      <p:nvGrpSpPr>
-        <p:cNvPr id="1" name=""/>
-        <p:cNvGrpSpPr/>
-        <p:nvPr/>
-      </p:nvGrpSpPr>
-      <p:grpSpPr>
-        <a:xfrm>
-          <a:off x="0" y="0"/>
-          <a:ext cx="0" cy="0"/>
-          <a:chOff x="0" y="0"/>
-          <a:chExt cx="0" cy="0"/>
-        </a:xfrm>
-      </p:grpSpPr>
-      <p:sp>
-        <p:nvSpPr>
-          <p:cNvPr id="2" name="Title 1">
-            <a:extLst>
-              <a:ext uri="{FF2B5EF4-FFF2-40B4-BE49-F238E27FC236}">
-                <a16:creationId xmlns:a16="http://schemas.microsoft.com/office/drawing/2014/main" id="{D52C40F1-9BE4-47DD-8254-215BE9CBD357}"/>
-              </a:ext>
-            </a:extLst>
-          </p:cNvPr>
-          <p:cNvSpPr>
-            <a:spLocks noGrp="1"/>
-          </p:cNvSpPr>
-          <p:nvPr>
-            <p:ph type="title"/>
-          </p:nvPr>
-        </p:nvSpPr>
-        <p:spPr/>
-        <p:txBody>
-          <a:bodyPr/>
-          <a:lstStyle/>
-          <a:p>
-            <a:r>
-              <a:rPr lang="en-US" dirty="0"/>
-              <a:t>Example 1: Run </a:t>
-            </a:r>
-            <a:r>
-              <a:rPr lang="en-US" dirty="0" err="1"/>
-              <a:t>simplest.tpl</a:t>
-            </a:r>
-            <a:endParaRPr lang="en-US" dirty="0"/>
-          </a:p>
-        </p:txBody>
-      </p:sp>
-      <p:sp>
-        <p:nvSpPr>
-          <p:cNvPr id="3" name="Content Placeholder 2">
-            <a:extLst>
-              <a:ext uri="{FF2B5EF4-FFF2-40B4-BE49-F238E27FC236}">
-                <a16:creationId xmlns:a16="http://schemas.microsoft.com/office/drawing/2014/main" id="{4B55CB17-1B48-412C-8CD5-05E702C61141}"/>
-              </a:ext>
-            </a:extLst>
-          </p:cNvPr>
-          <p:cNvSpPr>
-            <a:spLocks noGrp="1"/>
-          </p:cNvSpPr>
-          <p:nvPr>
-            <p:ph idx="1"/>
-          </p:nvPr>
-        </p:nvSpPr>
-        <p:spPr>
-          <a:xfrm>
-            <a:off x="838200" y="1825625"/>
-            <a:ext cx="10515600" cy="4351338"/>
-          </a:xfrm>
-        </p:spPr>
-        <p:txBody>
-          <a:bodyPr/>
-          <a:lstStyle/>
-          <a:p>
-            <a:pPr marL="0" indent="0">
-              <a:buNone/>
-            </a:pPr>
-            <a:r>
-              <a:rPr lang="en-US" dirty="0"/>
-              <a:t>Check that model runs</a:t>
-            </a:r>
-          </a:p>
-          <a:p>
-            <a:pPr marL="0" indent="0">
-              <a:buNone/>
-            </a:pPr>
-            <a:r>
-              <a:rPr lang="en-US" dirty="0"/>
-              <a:t>Review files .DAT and .TPL</a:t>
-            </a:r>
-          </a:p>
-          <a:p>
-            <a:pPr marL="0" indent="0">
-              <a:buNone/>
-            </a:pPr>
-            <a:r>
-              <a:rPr lang="en-US" dirty="0"/>
-              <a:t>Check and familiarize with output files</a:t>
-            </a:r>
-          </a:p>
-        </p:txBody>
-      </p:sp>
-    </p:spTree>
-    <p:extLst>
-      <p:ext uri="{BB962C8B-B14F-4D97-AF65-F5344CB8AC3E}">
-        <p14:creationId xmlns:p14="http://schemas.microsoft.com/office/powerpoint/2010/main" val="2726421424"/>
-      </p:ext>
-    </p:extLst>
-  </p:cSld>
-  <p:clrMapOvr>
-    <a:masterClrMapping/>
-  </p:clrMapOvr>
-</p:sld>
-</file>
-
 <file path=ppt/slides/slide17.xml><?xml version="1.0" encoding="utf-8"?>
 <p:sld xmlns:a="http://schemas.openxmlformats.org/drawingml/2006/main" xmlns:r="http://schemas.openxmlformats.org/officeDocument/2006/relationships" xmlns:p="http://schemas.openxmlformats.org/presentationml/2006/main">
   <p:cSld>
@@ -4481,6 +4563,123 @@
           <p:cNvPr id="2" name="Title 1">
             <a:extLst>
               <a:ext uri="{FF2B5EF4-FFF2-40B4-BE49-F238E27FC236}">
+                <a16:creationId xmlns:a16="http://schemas.microsoft.com/office/drawing/2014/main" id="{D52C40F1-9BE4-47DD-8254-215BE9CBD357}"/>
+              </a:ext>
+            </a:extLst>
+          </p:cNvPr>
+          <p:cNvSpPr>
+            <a:spLocks noGrp="1"/>
+          </p:cNvSpPr>
+          <p:nvPr>
+            <p:ph type="title"/>
+          </p:nvPr>
+        </p:nvSpPr>
+        <p:spPr/>
+        <p:txBody>
+          <a:bodyPr/>
+          <a:lstStyle/>
+          <a:p>
+            <a:r>
+              <a:rPr lang="en-US" dirty="0"/>
+              <a:t>Example 1: Run </a:t>
+            </a:r>
+            <a:r>
+              <a:rPr lang="en-US" dirty="0" err="1"/>
+              <a:t>simplest.tpl</a:t>
+            </a:r>
+            <a:endParaRPr lang="en-US" dirty="0"/>
+          </a:p>
+        </p:txBody>
+      </p:sp>
+      <p:sp>
+        <p:nvSpPr>
+          <p:cNvPr id="3" name="Content Placeholder 2">
+            <a:extLst>
+              <a:ext uri="{FF2B5EF4-FFF2-40B4-BE49-F238E27FC236}">
+                <a16:creationId xmlns:a16="http://schemas.microsoft.com/office/drawing/2014/main" id="{4B55CB17-1B48-412C-8CD5-05E702C61141}"/>
+              </a:ext>
+            </a:extLst>
+          </p:cNvPr>
+          <p:cNvSpPr>
+            <a:spLocks noGrp="1"/>
+          </p:cNvSpPr>
+          <p:nvPr>
+            <p:ph idx="1"/>
+          </p:nvPr>
+        </p:nvSpPr>
+        <p:spPr>
+          <a:xfrm>
+            <a:off x="838200" y="1825625"/>
+            <a:ext cx="10515600" cy="4351338"/>
+          </a:xfrm>
+        </p:spPr>
+        <p:txBody>
+          <a:bodyPr/>
+          <a:lstStyle/>
+          <a:p>
+            <a:pPr marL="0" indent="0">
+              <a:buNone/>
+            </a:pPr>
+            <a:r>
+              <a:rPr lang="en-US" dirty="0"/>
+              <a:t>Check that model runs</a:t>
+            </a:r>
+          </a:p>
+          <a:p>
+            <a:pPr marL="0" indent="0">
+              <a:buNone/>
+            </a:pPr>
+            <a:r>
+              <a:rPr lang="en-US" dirty="0"/>
+              <a:t>Review files .DAT and .TPL</a:t>
+            </a:r>
+          </a:p>
+          <a:p>
+            <a:pPr marL="0" indent="0">
+              <a:buNone/>
+            </a:pPr>
+            <a:r>
+              <a:rPr lang="en-US" dirty="0"/>
+              <a:t>Check and familiarize with output files</a:t>
+            </a:r>
+          </a:p>
+        </p:txBody>
+      </p:sp>
+    </p:spTree>
+    <p:extLst>
+      <p:ext uri="{BB962C8B-B14F-4D97-AF65-F5344CB8AC3E}">
+        <p14:creationId xmlns:p14="http://schemas.microsoft.com/office/powerpoint/2010/main" val="2726421424"/>
+      </p:ext>
+    </p:extLst>
+  </p:cSld>
+  <p:clrMapOvr>
+    <a:masterClrMapping/>
+  </p:clrMapOvr>
+</p:sld>
+</file>
+
+<file path=ppt/slides/slide18.xml><?xml version="1.0" encoding="utf-8"?>
+<p:sld xmlns:a="http://schemas.openxmlformats.org/drawingml/2006/main" xmlns:r="http://schemas.openxmlformats.org/officeDocument/2006/relationships" xmlns:p="http://schemas.openxmlformats.org/presentationml/2006/main">
+  <p:cSld>
+    <p:spTree>
+      <p:nvGrpSpPr>
+        <p:cNvPr id="1" name=""/>
+        <p:cNvGrpSpPr/>
+        <p:nvPr/>
+      </p:nvGrpSpPr>
+      <p:grpSpPr>
+        <a:xfrm>
+          <a:off x="0" y="0"/>
+          <a:ext cx="0" cy="0"/>
+          <a:chOff x="0" y="0"/>
+          <a:chExt cx="0" cy="0"/>
+        </a:xfrm>
+      </p:grpSpPr>
+      <p:sp>
+        <p:nvSpPr>
+          <p:cNvPr id="2" name="Title 1">
+            <a:extLst>
+              <a:ext uri="{FF2B5EF4-FFF2-40B4-BE49-F238E27FC236}">
                 <a16:creationId xmlns:a16="http://schemas.microsoft.com/office/drawing/2014/main" id="{D065643E-6A0C-4F9A-8DC2-24B334D2B827}"/>
               </a:ext>
             </a:extLst>
@@ -4618,7 +4817,7 @@
 </p:sld>
 </file>
 
-<file path=ppt/slides/slide18.xml><?xml version="1.0" encoding="utf-8"?>
+<file path=ppt/slides/slide19.xml><?xml version="1.0" encoding="utf-8"?>
 <p:sld xmlns:a="http://schemas.openxmlformats.org/drawingml/2006/main" xmlns:r="http://schemas.openxmlformats.org/officeDocument/2006/relationships" xmlns:p="http://schemas.openxmlformats.org/presentationml/2006/main">
   <p:cSld>
     <p:spTree>
